--- a/Muhammad Farhan (Laravel).pptx
+++ b/Muhammad Farhan (Laravel).pptx
@@ -474,7 +474,7 @@
             <a:fld id="{5923F103-BC34-4FE4-A40E-EDDEECFDA5D0}" type="datetimeFigureOut">
               <a:rPr lang="en-US" dirty="0"/>
               <a:pPr/>
-              <a:t>11/18/2023</a:t>
+              <a:t>1/3/2024</a:t>
             </a:fld>
             <a:endParaRPr lang="en-US" dirty="0"/>
           </a:p>
@@ -1558,7 +1558,7 @@
           <a:p>
             <a:fld id="{923A1CC3-2375-41D4-9E03-427CAF2A4C1A}" type="datetimeFigureOut">
               <a:rPr lang="en-US" dirty="0"/>
-              <a:t>11/18/2023</a:t>
+              <a:t>1/3/2024</a:t>
             </a:fld>
             <a:endParaRPr lang="en-US" dirty="0"/>
           </a:p>
@@ -2534,7 +2534,7 @@
           <a:p>
             <a:fld id="{AFF16868-8199-4C2C-A5B1-63AEE139F88E}" type="datetimeFigureOut">
               <a:rPr lang="en-US" dirty="0"/>
-              <a:t>11/18/2023</a:t>
+              <a:t>1/3/2024</a:t>
             </a:fld>
             <a:endParaRPr lang="en-US" dirty="0"/>
           </a:p>
@@ -3664,7 +3664,7 @@
           <a:p>
             <a:fld id="{AAD9FF7F-6988-44CC-821B-644E70CD2F73}" type="datetimeFigureOut">
               <a:rPr lang="en-US" dirty="0"/>
-              <a:t>11/18/2023</a:t>
+              <a:t>1/3/2024</a:t>
             </a:fld>
             <a:endParaRPr lang="en-US" dirty="0"/>
           </a:p>
@@ -4693,7 +4693,7 @@
           <a:p>
             <a:fld id="{5C12C299-16B2-4475-990D-751901EACC14}" type="datetimeFigureOut">
               <a:rPr lang="en-US" dirty="0"/>
-              <a:t>11/18/2023</a:t>
+              <a:t>1/3/2024</a:t>
             </a:fld>
             <a:endParaRPr lang="en-US" dirty="0"/>
           </a:p>
@@ -5349,7 +5349,7 @@
           <a:p>
             <a:fld id="{9FE86839-B9D8-4651-8783-F325ECE74E65}" type="datetimeFigureOut">
               <a:rPr lang="en-US" dirty="0"/>
-              <a:t>11/18/2023</a:t>
+              <a:t>1/3/2024</a:t>
             </a:fld>
             <a:endParaRPr lang="en-US" dirty="0"/>
           </a:p>
@@ -6206,7 +6206,7 @@
           <a:p>
             <a:fld id="{FD484F64-32F6-45C5-931F-ADC1662401D0}" type="datetimeFigureOut">
               <a:rPr lang="en-US" dirty="0"/>
-              <a:t>11/18/2023</a:t>
+              <a:t>1/3/2024</a:t>
             </a:fld>
             <a:endParaRPr lang="en-US" dirty="0"/>
           </a:p>
@@ -6392,7 +6392,7 @@
           <a:p>
             <a:fld id="{53086D93-FCAC-47E0-A2EE-787E62CA814C}" type="datetimeFigureOut">
               <a:rPr lang="en-US" dirty="0"/>
-              <a:t>11/18/2023</a:t>
+              <a:t>1/3/2024</a:t>
             </a:fld>
             <a:endParaRPr lang="en-US" dirty="0"/>
           </a:p>
@@ -7360,7 +7360,7 @@
           <a:p>
             <a:fld id="{CDA879A6-0FD0-4734-A311-86BFCA472E6E}" type="datetimeFigureOut">
               <a:rPr lang="en-US" dirty="0"/>
-              <a:t>11/18/2023</a:t>
+              <a:t>1/3/2024</a:t>
             </a:fld>
             <a:endParaRPr lang="en-US" dirty="0"/>
           </a:p>
@@ -7567,7 +7567,7 @@
           <a:p>
             <a:fld id="{19C9CA7B-DFD4-44B5-8C60-D14B8CD1FB59}" type="datetimeFigureOut">
               <a:rPr lang="en-US" dirty="0"/>
-              <a:t>11/18/2023</a:t>
+              <a:t>1/3/2024</a:t>
             </a:fld>
             <a:endParaRPr lang="en-US" dirty="0"/>
           </a:p>
@@ -8597,7 +8597,7 @@
           <a:p>
             <a:fld id="{F34E6425-0181-43F2-84FC-787E803FD2F8}" type="datetimeFigureOut">
               <a:rPr lang="en-US" dirty="0"/>
-              <a:t>11/18/2023</a:t>
+              <a:t>1/3/2024</a:t>
             </a:fld>
             <a:endParaRPr lang="en-US" dirty="0"/>
           </a:p>
@@ -8865,7 +8865,7 @@
           <a:p>
             <a:fld id="{3BDB8791-F1B0-41E7-B7FD-A781E65C4266}" type="datetimeFigureOut">
               <a:rPr lang="en-US" dirty="0"/>
-              <a:t>11/18/2023</a:t>
+              <a:t>1/3/2024</a:t>
             </a:fld>
             <a:endParaRPr lang="en-US" dirty="0"/>
           </a:p>
@@ -9271,7 +9271,7 @@
           <a:p>
             <a:fld id="{5FDD63B2-E120-4ED8-B27B-C685F510A5FE}" type="datetimeFigureOut">
               <a:rPr lang="en-US" dirty="0"/>
-              <a:t>11/18/2023</a:t>
+              <a:t>1/3/2024</a:t>
             </a:fld>
             <a:endParaRPr lang="en-US" dirty="0"/>
           </a:p>
@@ -9394,7 +9394,7 @@
           <a:p>
             <a:fld id="{7AA18ACC-A947-437B-A130-35BD54FDF1E9}" type="datetimeFigureOut">
               <a:rPr lang="en-US" dirty="0"/>
-              <a:t>11/18/2023</a:t>
+              <a:t>1/3/2024</a:t>
             </a:fld>
             <a:endParaRPr lang="en-US" dirty="0"/>
           </a:p>
@@ -9485,7 +9485,7 @@
           <a:p>
             <a:fld id="{7C8D7E02-BCB8-4D50-A234-369438C08659}" type="datetimeFigureOut">
               <a:rPr lang="en-US" dirty="0"/>
-              <a:t>11/18/2023</a:t>
+              <a:t>1/3/2024</a:t>
             </a:fld>
             <a:endParaRPr lang="en-US" dirty="0"/>
           </a:p>
@@ -10562,7 +10562,7 @@
           <a:p>
             <a:fld id="{76E86A4C-8E40-4F87-A4F0-01A0687C5742}" type="datetimeFigureOut">
               <a:rPr lang="en-US" dirty="0"/>
-              <a:t>11/18/2023</a:t>
+              <a:t>1/3/2024</a:t>
             </a:fld>
             <a:endParaRPr lang="en-US" dirty="0"/>
           </a:p>
@@ -11666,7 +11666,7 @@
           <a:p>
             <a:fld id="{35E72C73-2D91-4E12-BA25-F0AA0C03599B}" type="datetimeFigureOut">
               <a:rPr lang="en-US" dirty="0"/>
-              <a:t>11/18/2023</a:t>
+              <a:t>1/3/2024</a:t>
             </a:fld>
             <a:endParaRPr lang="en-US" dirty="0"/>
           </a:p>
@@ -12659,7 +12659,7 @@
           <a:p>
             <a:fld id="{2BE451C3-0FF4-47C4-B829-773ADF60F88C}" type="datetimeFigureOut">
               <a:rPr lang="en-US" dirty="0"/>
-              <a:t>11/18/2023</a:t>
+              <a:t>1/3/2024</a:t>
             </a:fld>
             <a:endParaRPr lang="en-US" dirty="0"/>
           </a:p>
@@ -14845,13 +14845,31 @@
               </a:lnSpc>
             </a:pPr>
             <a:r>
-              <a:rPr lang="en-US" dirty="0" err="1"/>
-              <a:t>php</a:t>
-            </a:r>
-            <a:r>
-              <a:rPr lang="en-US" dirty="0"/>
-              <a:t> artisan migrate</a:t>
-            </a:r>
+              <a:rPr lang="en-US" dirty="0"/>
+              <a:t>php artisan migrate</a:t>
+            </a:r>
+          </a:p>
+          <a:p>
+            <a:pPr>
+              <a:lnSpc>
+                <a:spcPct val="150000"/>
+              </a:lnSpc>
+            </a:pPr>
+            <a:r>
+              <a:rPr lang="en-US">
+                <a:hlinkClick r:id="rId2"/>
+              </a:rPr>
+              <a:t>https://www.heinsoe.com/blog/85</a:t>
+            </a:r>
+            <a:endParaRPr lang="en-US"/>
+          </a:p>
+          <a:p>
+            <a:pPr>
+              <a:lnSpc>
+                <a:spcPct val="150000"/>
+              </a:lnSpc>
+            </a:pPr>
+            <a:endParaRPr lang="en-US" dirty="0"/>
           </a:p>
           <a:p>
             <a:endParaRPr lang="en-US" dirty="0"/>

--- a/Muhammad Farhan (Laravel).pptx
+++ b/Muhammad Farhan (Laravel).pptx
@@ -474,7 +474,7 @@
             <a:fld id="{5923F103-BC34-4FE4-A40E-EDDEECFDA5D0}" type="datetimeFigureOut">
               <a:rPr lang="en-US" dirty="0"/>
               <a:pPr/>
-              <a:t>1/3/2024</a:t>
+              <a:t>1/8/2024</a:t>
             </a:fld>
             <a:endParaRPr lang="en-US" dirty="0"/>
           </a:p>
@@ -1558,7 +1558,7 @@
           <a:p>
             <a:fld id="{923A1CC3-2375-41D4-9E03-427CAF2A4C1A}" type="datetimeFigureOut">
               <a:rPr lang="en-US" dirty="0"/>
-              <a:t>1/3/2024</a:t>
+              <a:t>1/8/2024</a:t>
             </a:fld>
             <a:endParaRPr lang="en-US" dirty="0"/>
           </a:p>
@@ -2534,7 +2534,7 @@
           <a:p>
             <a:fld id="{AFF16868-8199-4C2C-A5B1-63AEE139F88E}" type="datetimeFigureOut">
               <a:rPr lang="en-US" dirty="0"/>
-              <a:t>1/3/2024</a:t>
+              <a:t>1/8/2024</a:t>
             </a:fld>
             <a:endParaRPr lang="en-US" dirty="0"/>
           </a:p>
@@ -3664,7 +3664,7 @@
           <a:p>
             <a:fld id="{AAD9FF7F-6988-44CC-821B-644E70CD2F73}" type="datetimeFigureOut">
               <a:rPr lang="en-US" dirty="0"/>
-              <a:t>1/3/2024</a:t>
+              <a:t>1/8/2024</a:t>
             </a:fld>
             <a:endParaRPr lang="en-US" dirty="0"/>
           </a:p>
@@ -4693,7 +4693,7 @@
           <a:p>
             <a:fld id="{5C12C299-16B2-4475-990D-751901EACC14}" type="datetimeFigureOut">
               <a:rPr lang="en-US" dirty="0"/>
-              <a:t>1/3/2024</a:t>
+              <a:t>1/8/2024</a:t>
             </a:fld>
             <a:endParaRPr lang="en-US" dirty="0"/>
           </a:p>
@@ -5349,7 +5349,7 @@
           <a:p>
             <a:fld id="{9FE86839-B9D8-4651-8783-F325ECE74E65}" type="datetimeFigureOut">
               <a:rPr lang="en-US" dirty="0"/>
-              <a:t>1/3/2024</a:t>
+              <a:t>1/8/2024</a:t>
             </a:fld>
             <a:endParaRPr lang="en-US" dirty="0"/>
           </a:p>
@@ -6206,7 +6206,7 @@
           <a:p>
             <a:fld id="{FD484F64-32F6-45C5-931F-ADC1662401D0}" type="datetimeFigureOut">
               <a:rPr lang="en-US" dirty="0"/>
-              <a:t>1/3/2024</a:t>
+              <a:t>1/8/2024</a:t>
             </a:fld>
             <a:endParaRPr lang="en-US" dirty="0"/>
           </a:p>
@@ -6392,7 +6392,7 @@
           <a:p>
             <a:fld id="{53086D93-FCAC-47E0-A2EE-787E62CA814C}" type="datetimeFigureOut">
               <a:rPr lang="en-US" dirty="0"/>
-              <a:t>1/3/2024</a:t>
+              <a:t>1/8/2024</a:t>
             </a:fld>
             <a:endParaRPr lang="en-US" dirty="0"/>
           </a:p>
@@ -7360,7 +7360,7 @@
           <a:p>
             <a:fld id="{CDA879A6-0FD0-4734-A311-86BFCA472E6E}" type="datetimeFigureOut">
               <a:rPr lang="en-US" dirty="0"/>
-              <a:t>1/3/2024</a:t>
+              <a:t>1/8/2024</a:t>
             </a:fld>
             <a:endParaRPr lang="en-US" dirty="0"/>
           </a:p>
@@ -7567,7 +7567,7 @@
           <a:p>
             <a:fld id="{19C9CA7B-DFD4-44B5-8C60-D14B8CD1FB59}" type="datetimeFigureOut">
               <a:rPr lang="en-US" dirty="0"/>
-              <a:t>1/3/2024</a:t>
+              <a:t>1/8/2024</a:t>
             </a:fld>
             <a:endParaRPr lang="en-US" dirty="0"/>
           </a:p>
@@ -8597,7 +8597,7 @@
           <a:p>
             <a:fld id="{F34E6425-0181-43F2-84FC-787E803FD2F8}" type="datetimeFigureOut">
               <a:rPr lang="en-US" dirty="0"/>
-              <a:t>1/3/2024</a:t>
+              <a:t>1/8/2024</a:t>
             </a:fld>
             <a:endParaRPr lang="en-US" dirty="0"/>
           </a:p>
@@ -8865,7 +8865,7 @@
           <a:p>
             <a:fld id="{3BDB8791-F1B0-41E7-B7FD-A781E65C4266}" type="datetimeFigureOut">
               <a:rPr lang="en-US" dirty="0"/>
-              <a:t>1/3/2024</a:t>
+              <a:t>1/8/2024</a:t>
             </a:fld>
             <a:endParaRPr lang="en-US" dirty="0"/>
           </a:p>
@@ -9271,7 +9271,7 @@
           <a:p>
             <a:fld id="{5FDD63B2-E120-4ED8-B27B-C685F510A5FE}" type="datetimeFigureOut">
               <a:rPr lang="en-US" dirty="0"/>
-              <a:t>1/3/2024</a:t>
+              <a:t>1/8/2024</a:t>
             </a:fld>
             <a:endParaRPr lang="en-US" dirty="0"/>
           </a:p>
@@ -9394,7 +9394,7 @@
           <a:p>
             <a:fld id="{7AA18ACC-A947-437B-A130-35BD54FDF1E9}" type="datetimeFigureOut">
               <a:rPr lang="en-US" dirty="0"/>
-              <a:t>1/3/2024</a:t>
+              <a:t>1/8/2024</a:t>
             </a:fld>
             <a:endParaRPr lang="en-US" dirty="0"/>
           </a:p>
@@ -9485,7 +9485,7 @@
           <a:p>
             <a:fld id="{7C8D7E02-BCB8-4D50-A234-369438C08659}" type="datetimeFigureOut">
               <a:rPr lang="en-US" dirty="0"/>
-              <a:t>1/3/2024</a:t>
+              <a:t>1/8/2024</a:t>
             </a:fld>
             <a:endParaRPr lang="en-US" dirty="0"/>
           </a:p>
@@ -10562,7 +10562,7 @@
           <a:p>
             <a:fld id="{76E86A4C-8E40-4F87-A4F0-01A0687C5742}" type="datetimeFigureOut">
               <a:rPr lang="en-US" dirty="0"/>
-              <a:t>1/3/2024</a:t>
+              <a:t>1/8/2024</a:t>
             </a:fld>
             <a:endParaRPr lang="en-US" dirty="0"/>
           </a:p>
@@ -11666,7 +11666,7 @@
           <a:p>
             <a:fld id="{35E72C73-2D91-4E12-BA25-F0AA0C03599B}" type="datetimeFigureOut">
               <a:rPr lang="en-US" dirty="0"/>
-              <a:t>1/3/2024</a:t>
+              <a:t>1/8/2024</a:t>
             </a:fld>
             <a:endParaRPr lang="en-US" dirty="0"/>
           </a:p>
@@ -12659,7 +12659,7 @@
           <a:p>
             <a:fld id="{2BE451C3-0FF4-47C4-B829-773ADF60F88C}" type="datetimeFigureOut">
               <a:rPr lang="en-US" dirty="0"/>
-              <a:t>1/3/2024</a:t>
+              <a:t>1/8/2024</a:t>
             </a:fld>
             <a:endParaRPr lang="en-US" dirty="0"/>
           </a:p>
@@ -15987,7 +15987,7 @@
         </p:spPr>
         <p:txBody>
           <a:bodyPr>
-            <a:normAutofit fontScale="92500" lnSpcReduction="20000"/>
+            <a:normAutofit/>
           </a:bodyPr>
           <a:lstStyle/>
           <a:p>
@@ -16077,54 +16077,20 @@
           <a:p>
             <a:pPr lvl="1"/>
             <a:r>
-              <a:rPr lang="en-US" dirty="0"/>
-              <a:t>composer create-project </a:t>
-            </a:r>
-            <a:r>
               <a:rPr lang="en-US" dirty="0" err="1"/>
               <a:t>laravel</a:t>
             </a:r>
             <a:r>
               <a:rPr lang="en-US" dirty="0"/>
-              <a:t>/</a:t>
-            </a:r>
-            <a:r>
-              <a:rPr lang="en-US" dirty="0" err="1"/>
-              <a:t>laravel</a:t>
-            </a:r>
-            <a:r>
-              <a:rPr lang="en-US" dirty="0"/>
-              <a:t> example-app</a:t>
+              <a:t> new example-app</a:t>
             </a:r>
           </a:p>
           <a:p>
             <a:pPr lvl="1"/>
             <a:r>
-              <a:rPr lang="en-US" dirty="0" err="1"/>
-              <a:t>laravel</a:t>
-            </a:r>
-            <a:r>
-              <a:rPr lang="en-US" dirty="0"/>
-              <a:t> new example-app</a:t>
-            </a:r>
-          </a:p>
-          <a:p>
-            <a:pPr lvl="1"/>
-            <a:r>
               <a:rPr lang="en-US" dirty="0"/>
               <a:t>php artisan serve</a:t>
             </a:r>
-          </a:p>
-          <a:p>
-            <a:pPr lvl="1"/>
-            <a:r>
-              <a:rPr lang="en-US" dirty="0"/>
-              <a:t>composer update </a:t>
-            </a:r>
-          </a:p>
-          <a:p>
-            <a:pPr lvl="1"/>
-            <a:endParaRPr lang="en-US" dirty="0"/>
           </a:p>
         </p:txBody>
       </p:sp>

--- a/Muhammad Farhan (Laravel).pptx
+++ b/Muhammad Farhan (Laravel).pptx
@@ -474,7 +474,7 @@
             <a:fld id="{5923F103-BC34-4FE4-A40E-EDDEECFDA5D0}" type="datetimeFigureOut">
               <a:rPr lang="en-US" dirty="0"/>
               <a:pPr/>
-              <a:t>1/8/2024</a:t>
+              <a:t>1/10/2024</a:t>
             </a:fld>
             <a:endParaRPr lang="en-US" dirty="0"/>
           </a:p>
@@ -1558,7 +1558,7 @@
           <a:p>
             <a:fld id="{923A1CC3-2375-41D4-9E03-427CAF2A4C1A}" type="datetimeFigureOut">
               <a:rPr lang="en-US" dirty="0"/>
-              <a:t>1/8/2024</a:t>
+              <a:t>1/10/2024</a:t>
             </a:fld>
             <a:endParaRPr lang="en-US" dirty="0"/>
           </a:p>
@@ -2534,7 +2534,7 @@
           <a:p>
             <a:fld id="{AFF16868-8199-4C2C-A5B1-63AEE139F88E}" type="datetimeFigureOut">
               <a:rPr lang="en-US" dirty="0"/>
-              <a:t>1/8/2024</a:t>
+              <a:t>1/10/2024</a:t>
             </a:fld>
             <a:endParaRPr lang="en-US" dirty="0"/>
           </a:p>
@@ -3664,7 +3664,7 @@
           <a:p>
             <a:fld id="{AAD9FF7F-6988-44CC-821B-644E70CD2F73}" type="datetimeFigureOut">
               <a:rPr lang="en-US" dirty="0"/>
-              <a:t>1/8/2024</a:t>
+              <a:t>1/10/2024</a:t>
             </a:fld>
             <a:endParaRPr lang="en-US" dirty="0"/>
           </a:p>
@@ -4693,7 +4693,7 @@
           <a:p>
             <a:fld id="{5C12C299-16B2-4475-990D-751901EACC14}" type="datetimeFigureOut">
               <a:rPr lang="en-US" dirty="0"/>
-              <a:t>1/8/2024</a:t>
+              <a:t>1/10/2024</a:t>
             </a:fld>
             <a:endParaRPr lang="en-US" dirty="0"/>
           </a:p>
@@ -5349,7 +5349,7 @@
           <a:p>
             <a:fld id="{9FE86839-B9D8-4651-8783-F325ECE74E65}" type="datetimeFigureOut">
               <a:rPr lang="en-US" dirty="0"/>
-              <a:t>1/8/2024</a:t>
+              <a:t>1/10/2024</a:t>
             </a:fld>
             <a:endParaRPr lang="en-US" dirty="0"/>
           </a:p>
@@ -6206,7 +6206,7 @@
           <a:p>
             <a:fld id="{FD484F64-32F6-45C5-931F-ADC1662401D0}" type="datetimeFigureOut">
               <a:rPr lang="en-US" dirty="0"/>
-              <a:t>1/8/2024</a:t>
+              <a:t>1/10/2024</a:t>
             </a:fld>
             <a:endParaRPr lang="en-US" dirty="0"/>
           </a:p>
@@ -6392,7 +6392,7 @@
           <a:p>
             <a:fld id="{53086D93-FCAC-47E0-A2EE-787E62CA814C}" type="datetimeFigureOut">
               <a:rPr lang="en-US" dirty="0"/>
-              <a:t>1/8/2024</a:t>
+              <a:t>1/10/2024</a:t>
             </a:fld>
             <a:endParaRPr lang="en-US" dirty="0"/>
           </a:p>
@@ -7360,7 +7360,7 @@
           <a:p>
             <a:fld id="{CDA879A6-0FD0-4734-A311-86BFCA472E6E}" type="datetimeFigureOut">
               <a:rPr lang="en-US" dirty="0"/>
-              <a:t>1/8/2024</a:t>
+              <a:t>1/10/2024</a:t>
             </a:fld>
             <a:endParaRPr lang="en-US" dirty="0"/>
           </a:p>
@@ -7567,7 +7567,7 @@
           <a:p>
             <a:fld id="{19C9CA7B-DFD4-44B5-8C60-D14B8CD1FB59}" type="datetimeFigureOut">
               <a:rPr lang="en-US" dirty="0"/>
-              <a:t>1/8/2024</a:t>
+              <a:t>1/10/2024</a:t>
             </a:fld>
             <a:endParaRPr lang="en-US" dirty="0"/>
           </a:p>
@@ -8597,7 +8597,7 @@
           <a:p>
             <a:fld id="{F34E6425-0181-43F2-84FC-787E803FD2F8}" type="datetimeFigureOut">
               <a:rPr lang="en-US" dirty="0"/>
-              <a:t>1/8/2024</a:t>
+              <a:t>1/10/2024</a:t>
             </a:fld>
             <a:endParaRPr lang="en-US" dirty="0"/>
           </a:p>
@@ -8865,7 +8865,7 @@
           <a:p>
             <a:fld id="{3BDB8791-F1B0-41E7-B7FD-A781E65C4266}" type="datetimeFigureOut">
               <a:rPr lang="en-US" dirty="0"/>
-              <a:t>1/8/2024</a:t>
+              <a:t>1/10/2024</a:t>
             </a:fld>
             <a:endParaRPr lang="en-US" dirty="0"/>
           </a:p>
@@ -9271,7 +9271,7 @@
           <a:p>
             <a:fld id="{5FDD63B2-E120-4ED8-B27B-C685F510A5FE}" type="datetimeFigureOut">
               <a:rPr lang="en-US" dirty="0"/>
-              <a:t>1/8/2024</a:t>
+              <a:t>1/10/2024</a:t>
             </a:fld>
             <a:endParaRPr lang="en-US" dirty="0"/>
           </a:p>
@@ -9394,7 +9394,7 @@
           <a:p>
             <a:fld id="{7AA18ACC-A947-437B-A130-35BD54FDF1E9}" type="datetimeFigureOut">
               <a:rPr lang="en-US" dirty="0"/>
-              <a:t>1/8/2024</a:t>
+              <a:t>1/10/2024</a:t>
             </a:fld>
             <a:endParaRPr lang="en-US" dirty="0"/>
           </a:p>
@@ -9485,7 +9485,7 @@
           <a:p>
             <a:fld id="{7C8D7E02-BCB8-4D50-A234-369438C08659}" type="datetimeFigureOut">
               <a:rPr lang="en-US" dirty="0"/>
-              <a:t>1/8/2024</a:t>
+              <a:t>1/10/2024</a:t>
             </a:fld>
             <a:endParaRPr lang="en-US" dirty="0"/>
           </a:p>
@@ -10562,7 +10562,7 @@
           <a:p>
             <a:fld id="{76E86A4C-8E40-4F87-A4F0-01A0687C5742}" type="datetimeFigureOut">
               <a:rPr lang="en-US" dirty="0"/>
-              <a:t>1/8/2024</a:t>
+              <a:t>1/10/2024</a:t>
             </a:fld>
             <a:endParaRPr lang="en-US" dirty="0"/>
           </a:p>
@@ -11666,7 +11666,7 @@
           <a:p>
             <a:fld id="{35E72C73-2D91-4E12-BA25-F0AA0C03599B}" type="datetimeFigureOut">
               <a:rPr lang="en-US" dirty="0"/>
-              <a:t>1/8/2024</a:t>
+              <a:t>1/10/2024</a:t>
             </a:fld>
             <a:endParaRPr lang="en-US" dirty="0"/>
           </a:p>
@@ -12659,7 +12659,7 @@
           <a:p>
             <a:fld id="{2BE451C3-0FF4-47C4-B829-773ADF60F88C}" type="datetimeFigureOut">
               <a:rPr lang="en-US" dirty="0"/>
-              <a:t>1/8/2024</a:t>
+              <a:t>1/10/2024</a:t>
             </a:fld>
             <a:endParaRPr lang="en-US" dirty="0"/>
           </a:p>
@@ -13818,9 +13818,16 @@
             <p:ph idx="1"/>
           </p:nvPr>
         </p:nvSpPr>
-        <p:spPr/>
+        <p:spPr>
+          <a:xfrm>
+            <a:off x="1154954" y="2197917"/>
+            <a:ext cx="8825659" cy="4563610"/>
+          </a:xfrm>
+        </p:spPr>
         <p:txBody>
-          <a:bodyPr/>
+          <a:bodyPr>
+            <a:normAutofit fontScale="77500" lnSpcReduction="20000"/>
+          </a:bodyPr>
           <a:lstStyle/>
           <a:p>
             <a:pPr>
@@ -13845,6 +13852,28 @@
             </a:r>
           </a:p>
           <a:p>
+            <a:pPr lvl="1">
+              <a:lnSpc>
+                <a:spcPct val="150000"/>
+              </a:lnSpc>
+            </a:pPr>
+            <a:r>
+              <a:rPr lang="en-US" dirty="0"/>
+              <a:t>Session::push(key, value);</a:t>
+            </a:r>
+          </a:p>
+          <a:p>
+            <a:pPr lvl="1">
+              <a:lnSpc>
+                <a:spcPct val="150000"/>
+              </a:lnSpc>
+            </a:pPr>
+            <a:r>
+              <a:rPr lang="en-US" dirty="0"/>
+              <a:t>Session::put(key, value)</a:t>
+            </a:r>
+          </a:p>
+          <a:p>
             <a:pPr>
               <a:lnSpc>
                 <a:spcPct val="150000"/>
@@ -13856,6 +13885,28 @@
             </a:r>
           </a:p>
           <a:p>
+            <a:pPr lvl="1">
+              <a:lnSpc>
+                <a:spcPct val="150000"/>
+              </a:lnSpc>
+            </a:pPr>
+            <a:r>
+              <a:rPr lang="en-US" dirty="0"/>
+              <a:t>Session::get(‘key’);</a:t>
+            </a:r>
+          </a:p>
+          <a:p>
+            <a:pPr lvl="1">
+              <a:lnSpc>
+                <a:spcPct val="150000"/>
+              </a:lnSpc>
+            </a:pPr>
+            <a:r>
+              <a:rPr lang="en-US" dirty="0"/>
+              <a:t>Session::all();</a:t>
+            </a:r>
+          </a:p>
+          <a:p>
             <a:pPr>
               <a:lnSpc>
                 <a:spcPct val="150000"/>
@@ -13865,6 +13916,66 @@
               <a:rPr lang="en-US" dirty="0"/>
               <a:t>Delete data in session</a:t>
             </a:r>
+          </a:p>
+          <a:p>
+            <a:pPr lvl="1">
+              <a:lnSpc>
+                <a:spcPct val="150000"/>
+              </a:lnSpc>
+            </a:pPr>
+            <a:r>
+              <a:rPr lang="en-US" dirty="0"/>
+              <a:t>Session()-&gt;forget([‘key’]);</a:t>
+            </a:r>
+          </a:p>
+          <a:p>
+            <a:pPr lvl="1">
+              <a:lnSpc>
+                <a:spcPct val="150000"/>
+              </a:lnSpc>
+            </a:pPr>
+            <a:r>
+              <a:rPr lang="en-US" dirty="0"/>
+              <a:t>Session()-&gt;flush();</a:t>
+            </a:r>
+          </a:p>
+          <a:p>
+            <a:pPr>
+              <a:lnSpc>
+                <a:spcPct val="150000"/>
+              </a:lnSpc>
+            </a:pPr>
+            <a:r>
+              <a:rPr lang="en-US" dirty="0"/>
+              <a:t>Flash Session</a:t>
+            </a:r>
+          </a:p>
+          <a:p>
+            <a:pPr lvl="1">
+              <a:lnSpc>
+                <a:spcPct val="150000"/>
+              </a:lnSpc>
+            </a:pPr>
+            <a:r>
+              <a:rPr lang="en-US" dirty="0"/>
+              <a:t>Session::flash(“key”, “value”);</a:t>
+            </a:r>
+          </a:p>
+          <a:p>
+            <a:pPr lvl="1">
+              <a:lnSpc>
+                <a:spcPct val="150000"/>
+              </a:lnSpc>
+            </a:pPr>
+            <a:endParaRPr lang="en-US" dirty="0"/>
+          </a:p>
+          <a:p>
+            <a:pPr lvl="1">
+              <a:lnSpc>
+                <a:spcPct val="150000"/>
+              </a:lnSpc>
+            </a:pPr>
+            <a:endParaRPr lang="en-US" dirty="0"/>
           </a:p>
           <a:p>
             <a:endParaRPr lang="en-US" dirty="0"/>
